--- a/기획서/레벨 디자인 관련/리볼트데이_사건_추리모드_레벨디자인 문서.pptx
+++ b/기획서/레벨 디자인 관련/리볼트데이_사건_추리모드_레벨디자인 문서.pptx
@@ -15,6 +15,7 @@
     <p:sldId id="263" r:id="rId9"/>
     <p:sldId id="264" r:id="rId10"/>
     <p:sldId id="265" r:id="rId11"/>
+    <p:sldId id="266" r:id="rId12"/>
   </p:sldIdLst>
   <p:sldSz cx="12192000" cy="6858000"/>
   <p:notesSz cx="6858000" cy="9144000"/>
@@ -113,6 +114,11 @@
       </a:defRPr>
     </a:lvl9pPr>
   </p:defaultTextStyle>
+  <p:extLst>
+    <p:ext uri="{EFAFB233-063F-42B5-8137-9DF3F51BA10A}">
+      <p15:sldGuideLst xmlns:p15="http://schemas.microsoft.com/office/powerpoint/2012/main"/>
+    </p:ext>
+  </p:extLst>
 </p:presentation>
 </file>
 
@@ -247,7 +253,7 @@
           <a:p>
             <a:fld id="{51B82BA2-A946-42B2-8140-881F41EDA4F4}" type="datetimeFigureOut">
               <a:rPr lang="ko-KR" altLang="en-US" smtClean="0"/>
-              <a:t>2018-12-26</a:t>
+              <a:t>2019-01-02</a:t>
             </a:fld>
             <a:endParaRPr lang="ko-KR" altLang="en-US"/>
           </a:p>
@@ -417,7 +423,7 @@
           <a:p>
             <a:fld id="{51B82BA2-A946-42B2-8140-881F41EDA4F4}" type="datetimeFigureOut">
               <a:rPr lang="ko-KR" altLang="en-US" smtClean="0"/>
-              <a:t>2018-12-26</a:t>
+              <a:t>2019-01-02</a:t>
             </a:fld>
             <a:endParaRPr lang="ko-KR" altLang="en-US"/>
           </a:p>
@@ -597,7 +603,7 @@
           <a:p>
             <a:fld id="{51B82BA2-A946-42B2-8140-881F41EDA4F4}" type="datetimeFigureOut">
               <a:rPr lang="ko-KR" altLang="en-US" smtClean="0"/>
-              <a:t>2018-12-26</a:t>
+              <a:t>2019-01-02</a:t>
             </a:fld>
             <a:endParaRPr lang="ko-KR" altLang="en-US"/>
           </a:p>
@@ -767,7 +773,7 @@
           <a:p>
             <a:fld id="{51B82BA2-A946-42B2-8140-881F41EDA4F4}" type="datetimeFigureOut">
               <a:rPr lang="ko-KR" altLang="en-US" smtClean="0"/>
-              <a:t>2018-12-26</a:t>
+              <a:t>2019-01-02</a:t>
             </a:fld>
             <a:endParaRPr lang="ko-KR" altLang="en-US"/>
           </a:p>
@@ -1013,7 +1019,7 @@
           <a:p>
             <a:fld id="{51B82BA2-A946-42B2-8140-881F41EDA4F4}" type="datetimeFigureOut">
               <a:rPr lang="ko-KR" altLang="en-US" smtClean="0"/>
-              <a:t>2018-12-26</a:t>
+              <a:t>2019-01-02</a:t>
             </a:fld>
             <a:endParaRPr lang="ko-KR" altLang="en-US"/>
           </a:p>
@@ -1245,7 +1251,7 @@
           <a:p>
             <a:fld id="{51B82BA2-A946-42B2-8140-881F41EDA4F4}" type="datetimeFigureOut">
               <a:rPr lang="ko-KR" altLang="en-US" smtClean="0"/>
-              <a:t>2018-12-26</a:t>
+              <a:t>2019-01-02</a:t>
             </a:fld>
             <a:endParaRPr lang="ko-KR" altLang="en-US"/>
           </a:p>
@@ -1612,7 +1618,7 @@
           <a:p>
             <a:fld id="{51B82BA2-A946-42B2-8140-881F41EDA4F4}" type="datetimeFigureOut">
               <a:rPr lang="ko-KR" altLang="en-US" smtClean="0"/>
-              <a:t>2018-12-26</a:t>
+              <a:t>2019-01-02</a:t>
             </a:fld>
             <a:endParaRPr lang="ko-KR" altLang="en-US"/>
           </a:p>
@@ -1730,7 +1736,7 @@
           <a:p>
             <a:fld id="{51B82BA2-A946-42B2-8140-881F41EDA4F4}" type="datetimeFigureOut">
               <a:rPr lang="ko-KR" altLang="en-US" smtClean="0"/>
-              <a:t>2018-12-26</a:t>
+              <a:t>2019-01-02</a:t>
             </a:fld>
             <a:endParaRPr lang="ko-KR" altLang="en-US"/>
           </a:p>
@@ -1825,7 +1831,7 @@
           <a:p>
             <a:fld id="{51B82BA2-A946-42B2-8140-881F41EDA4F4}" type="datetimeFigureOut">
               <a:rPr lang="ko-KR" altLang="en-US" smtClean="0"/>
-              <a:t>2018-12-26</a:t>
+              <a:t>2019-01-02</a:t>
             </a:fld>
             <a:endParaRPr lang="ko-KR" altLang="en-US"/>
           </a:p>
@@ -2102,7 +2108,7 @@
           <a:p>
             <a:fld id="{51B82BA2-A946-42B2-8140-881F41EDA4F4}" type="datetimeFigureOut">
               <a:rPr lang="ko-KR" altLang="en-US" smtClean="0"/>
-              <a:t>2018-12-26</a:t>
+              <a:t>2019-01-02</a:t>
             </a:fld>
             <a:endParaRPr lang="ko-KR" altLang="en-US"/>
           </a:p>
@@ -2355,7 +2361,7 @@
           <a:p>
             <a:fld id="{51B82BA2-A946-42B2-8140-881F41EDA4F4}" type="datetimeFigureOut">
               <a:rPr lang="ko-KR" altLang="en-US" smtClean="0"/>
-              <a:t>2018-12-26</a:t>
+              <a:t>2019-01-02</a:t>
             </a:fld>
             <a:endParaRPr lang="ko-KR" altLang="en-US"/>
           </a:p>
@@ -2568,7 +2574,7 @@
           <a:p>
             <a:fld id="{51B82BA2-A946-42B2-8140-881F41EDA4F4}" type="datetimeFigureOut">
               <a:rPr lang="ko-KR" altLang="en-US" smtClean="0"/>
-              <a:t>2018-12-26</a:t>
+              <a:t>2019-01-02</a:t>
             </a:fld>
             <a:endParaRPr lang="ko-KR" altLang="en-US"/>
           </a:p>
@@ -4469,7 +4475,7 @@
             </a:r>
             <a:r>
               <a:rPr lang="en-US" altLang="ko-KR" dirty="0" smtClean="0"/>
-              <a:t>8</a:t>
+              <a:t>10</a:t>
             </a:r>
             <a:endParaRPr lang="ko-KR" altLang="en-US" dirty="0"/>
           </a:p>
@@ -5174,6 +5180,827 @@
     <p:extLst>
       <p:ext uri="{BB962C8B-B14F-4D97-AF65-F5344CB8AC3E}">
         <p14:creationId xmlns:p14="http://schemas.microsoft.com/office/powerpoint/2010/main" val="230094730"/>
+      </p:ext>
+    </p:extLst>
+  </p:cSld>
+  <p:clrMapOvr>
+    <a:masterClrMapping/>
+  </p:clrMapOvr>
+</p:sld>
+</file>
+
+<file path=ppt/slides/slide11.xml><?xml version="1.0" encoding="utf-8"?>
+<p:sld xmlns:a="http://schemas.openxmlformats.org/drawingml/2006/main" xmlns:r="http://schemas.openxmlformats.org/officeDocument/2006/relationships" xmlns:p="http://schemas.openxmlformats.org/presentationml/2006/main">
+  <p:cSld>
+    <p:spTree>
+      <p:nvGrpSpPr>
+        <p:cNvPr id="1" name=""/>
+        <p:cNvGrpSpPr/>
+        <p:nvPr/>
+      </p:nvGrpSpPr>
+      <p:grpSpPr>
+        <a:xfrm>
+          <a:off x="0" y="0"/>
+          <a:ext cx="0" cy="0"/>
+          <a:chOff x="0" y="0"/>
+          <a:chExt cx="0" cy="0"/>
+        </a:xfrm>
+      </p:grpSpPr>
+      <p:sp>
+        <p:nvSpPr>
+          <p:cNvPr id="4" name="직사각형 3"/>
+          <p:cNvSpPr/>
+          <p:nvPr/>
+        </p:nvSpPr>
+        <p:spPr>
+          <a:xfrm>
+            <a:off x="392938" y="492758"/>
+            <a:ext cx="6330462" cy="3798277"/>
+          </a:xfrm>
+          <a:prstGeom prst="rect">
+            <a:avLst/>
+          </a:prstGeom>
+          <a:solidFill>
+            <a:schemeClr val="bg1"/>
+          </a:solidFill>
+        </p:spPr>
+        <p:style>
+          <a:lnRef idx="2">
+            <a:schemeClr val="accent1">
+              <a:shade val="50000"/>
+            </a:schemeClr>
+          </a:lnRef>
+          <a:fillRef idx="1">
+            <a:schemeClr val="accent1"/>
+          </a:fillRef>
+          <a:effectRef idx="0">
+            <a:schemeClr val="accent1"/>
+          </a:effectRef>
+          <a:fontRef idx="minor">
+            <a:schemeClr val="lt1"/>
+          </a:fontRef>
+        </p:style>
+        <p:txBody>
+          <a:bodyPr rtlCol="0" anchor="ctr"/>
+          <a:lstStyle/>
+          <a:p>
+            <a:pPr algn="ctr"/>
+            <a:r>
+              <a:rPr lang="en-US" altLang="ko-KR" dirty="0" smtClean="0"/>
+              <a:t>3</a:t>
+            </a:r>
+            <a:endParaRPr lang="ko-KR" altLang="en-US" dirty="0"/>
+          </a:p>
+        </p:txBody>
+      </p:sp>
+      <p:sp>
+        <p:nvSpPr>
+          <p:cNvPr id="11" name="직사각형 10"/>
+          <p:cNvSpPr/>
+          <p:nvPr/>
+        </p:nvSpPr>
+        <p:spPr>
+          <a:xfrm>
+            <a:off x="7877908" y="79131"/>
+            <a:ext cx="3868615" cy="5846884"/>
+          </a:xfrm>
+          <a:prstGeom prst="rect">
+            <a:avLst/>
+          </a:prstGeom>
+          <a:solidFill>
+            <a:schemeClr val="bg1"/>
+          </a:solidFill>
+          <a:ln>
+            <a:solidFill>
+              <a:schemeClr val="accent2"/>
+            </a:solidFill>
+          </a:ln>
+        </p:spPr>
+        <p:style>
+          <a:lnRef idx="2">
+            <a:schemeClr val="accent1">
+              <a:shade val="50000"/>
+            </a:schemeClr>
+          </a:lnRef>
+          <a:fillRef idx="1">
+            <a:schemeClr val="accent1"/>
+          </a:fillRef>
+          <a:effectRef idx="0">
+            <a:schemeClr val="accent1"/>
+          </a:effectRef>
+          <a:fontRef idx="minor">
+            <a:schemeClr val="lt1"/>
+          </a:fontRef>
+        </p:style>
+        <p:txBody>
+          <a:bodyPr rtlCol="0" anchor="ctr"/>
+          <a:lstStyle/>
+          <a:p>
+            <a:r>
+              <a:rPr lang="en-US" altLang="ko-KR" b="1" dirty="0" smtClean="0">
+                <a:solidFill>
+                  <a:schemeClr val="tx1"/>
+                </a:solidFill>
+              </a:rPr>
+              <a:t>(1)</a:t>
+            </a:r>
+            <a:r>
+              <a:rPr lang="ko-KR" altLang="en-US" b="1" dirty="0" smtClean="0">
+                <a:solidFill>
+                  <a:schemeClr val="tx1"/>
+                </a:solidFill>
+              </a:rPr>
+              <a:t>번 선택지 단 한 개만 존재</a:t>
+            </a:r>
+            <a:r>
+              <a:rPr lang="en-US" altLang="ko-KR" b="1" dirty="0" smtClean="0">
+                <a:solidFill>
+                  <a:schemeClr val="tx1"/>
+                </a:solidFill>
+              </a:rPr>
+              <a:t>.</a:t>
+            </a:r>
+            <a:endParaRPr lang="ko-KR" altLang="en-US" dirty="0">
+              <a:solidFill>
+                <a:schemeClr val="tx1"/>
+              </a:solidFill>
+            </a:endParaRPr>
+          </a:p>
+        </p:txBody>
+      </p:sp>
+      <p:sp>
+        <p:nvSpPr>
+          <p:cNvPr id="26" name="직사각형 25"/>
+          <p:cNvSpPr/>
+          <p:nvPr/>
+        </p:nvSpPr>
+        <p:spPr>
+          <a:xfrm>
+            <a:off x="610864" y="4602884"/>
+            <a:ext cx="6330173" cy="1788680"/>
+          </a:xfrm>
+          <a:prstGeom prst="rect">
+            <a:avLst/>
+          </a:prstGeom>
+          <a:solidFill>
+            <a:schemeClr val="bg1"/>
+          </a:solidFill>
+          <a:ln>
+            <a:solidFill>
+              <a:srgbClr val="FF0000"/>
+            </a:solidFill>
+          </a:ln>
+        </p:spPr>
+        <p:style>
+          <a:lnRef idx="2">
+            <a:schemeClr val="accent1">
+              <a:shade val="50000"/>
+            </a:schemeClr>
+          </a:lnRef>
+          <a:fillRef idx="1">
+            <a:schemeClr val="accent1"/>
+          </a:fillRef>
+          <a:effectRef idx="0">
+            <a:schemeClr val="accent1"/>
+          </a:effectRef>
+          <a:fontRef idx="minor">
+            <a:schemeClr val="lt1"/>
+          </a:fontRef>
+        </p:style>
+        <p:txBody>
+          <a:bodyPr rtlCol="0" anchor="ctr"/>
+          <a:lstStyle/>
+          <a:p>
+            <a:pPr algn="ctr"/>
+            <a:r>
+              <a:rPr lang="ko-KR" altLang="en-US" dirty="0" smtClean="0">
+                <a:solidFill>
+                  <a:schemeClr val="tx1"/>
+                </a:solidFill>
+              </a:rPr>
+              <a:t>사건 기록지</a:t>
+            </a:r>
+            <a:endParaRPr lang="en-US" altLang="ko-KR" dirty="0" smtClean="0">
+              <a:solidFill>
+                <a:schemeClr val="tx1"/>
+              </a:solidFill>
+            </a:endParaRPr>
+          </a:p>
+          <a:p>
+            <a:pPr algn="ctr"/>
+            <a:r>
+              <a:rPr lang="en-US" altLang="ko-KR" dirty="0" smtClean="0">
+                <a:solidFill>
+                  <a:schemeClr val="tx1"/>
+                </a:solidFill>
+              </a:rPr>
+              <a:t>“</a:t>
+            </a:r>
+            <a:r>
+              <a:rPr lang="ko-KR" altLang="en-US" dirty="0" smtClean="0">
+                <a:solidFill>
+                  <a:schemeClr val="tx1"/>
+                </a:solidFill>
+              </a:rPr>
+              <a:t>뒤를 쫓는 이를 찾아라</a:t>
+            </a:r>
+            <a:r>
+              <a:rPr lang="en-US" altLang="ko-KR" dirty="0" smtClean="0">
+                <a:solidFill>
+                  <a:schemeClr val="tx1"/>
+                </a:solidFill>
+              </a:rPr>
+              <a:t>.”</a:t>
+            </a:r>
+          </a:p>
+          <a:p>
+            <a:pPr algn="ctr"/>
+            <a:r>
+              <a:rPr lang="en-US" altLang="ko-KR" dirty="0" smtClean="0">
+                <a:solidFill>
+                  <a:schemeClr val="tx1"/>
+                </a:solidFill>
+              </a:rPr>
+              <a:t>(</a:t>
+            </a:r>
+            <a:r>
+              <a:rPr lang="ko-KR" altLang="en-US" dirty="0" err="1" smtClean="0">
+                <a:solidFill>
+                  <a:schemeClr val="tx1"/>
+                </a:solidFill>
+              </a:rPr>
+              <a:t>강원진</a:t>
+            </a:r>
+            <a:r>
+              <a:rPr lang="en-US" altLang="ko-KR" dirty="0" smtClean="0">
+                <a:solidFill>
+                  <a:schemeClr val="tx1"/>
+                </a:solidFill>
+              </a:rPr>
+              <a:t>)</a:t>
+            </a:r>
+            <a:endParaRPr lang="en-US" altLang="ko-KR" dirty="0" smtClean="0">
+              <a:solidFill>
+                <a:schemeClr val="tx1"/>
+              </a:solidFill>
+            </a:endParaRPr>
+          </a:p>
+        </p:txBody>
+      </p:sp>
+      <p:sp>
+        <p:nvSpPr>
+          <p:cNvPr id="33" name="TextBox 32"/>
+          <p:cNvSpPr txBox="1"/>
+          <p:nvPr/>
+        </p:nvSpPr>
+        <p:spPr>
+          <a:xfrm>
+            <a:off x="138545" y="79131"/>
+            <a:ext cx="2955637" cy="369332"/>
+          </a:xfrm>
+          <a:prstGeom prst="rect">
+            <a:avLst/>
+          </a:prstGeom>
+          <a:noFill/>
+        </p:spPr>
+        <p:txBody>
+          <a:bodyPr wrap="square" rtlCol="0">
+            <a:spAutoFit/>
+          </a:bodyPr>
+          <a:lstStyle/>
+          <a:p>
+            <a:r>
+              <a:rPr lang="ko-KR" altLang="en-US" dirty="0" err="1" smtClean="0"/>
+              <a:t>추리모드</a:t>
+            </a:r>
+            <a:r>
+              <a:rPr lang="ko-KR" altLang="en-US" dirty="0" smtClean="0"/>
+              <a:t> </a:t>
+            </a:r>
+            <a:r>
+              <a:rPr lang="en-US" altLang="ko-KR" dirty="0" smtClean="0"/>
+              <a:t>11</a:t>
+            </a:r>
+            <a:r>
+              <a:rPr lang="en-US" altLang="ko-KR" dirty="0" smtClean="0"/>
+              <a:t>(</a:t>
+            </a:r>
+            <a:r>
+              <a:rPr lang="ko-KR" altLang="en-US" dirty="0" err="1" smtClean="0"/>
+              <a:t>박우주</a:t>
+            </a:r>
+            <a:r>
+              <a:rPr lang="en-US" altLang="ko-KR" dirty="0" smtClean="0"/>
+              <a:t>)</a:t>
+            </a:r>
+            <a:endParaRPr lang="ko-KR" altLang="en-US" dirty="0"/>
+          </a:p>
+        </p:txBody>
+      </p:sp>
+      <p:sp>
+        <p:nvSpPr>
+          <p:cNvPr id="28" name="직사각형 27"/>
+          <p:cNvSpPr/>
+          <p:nvPr/>
+        </p:nvSpPr>
+        <p:spPr>
+          <a:xfrm>
+            <a:off x="571934" y="3713017"/>
+            <a:ext cx="1474176" cy="430235"/>
+          </a:xfrm>
+          <a:prstGeom prst="rect">
+            <a:avLst/>
+          </a:prstGeom>
+          <a:solidFill>
+            <a:schemeClr val="bg1"/>
+          </a:solidFill>
+        </p:spPr>
+        <p:style>
+          <a:lnRef idx="2">
+            <a:schemeClr val="accent1">
+              <a:shade val="50000"/>
+            </a:schemeClr>
+          </a:lnRef>
+          <a:fillRef idx="1">
+            <a:schemeClr val="accent1"/>
+          </a:fillRef>
+          <a:effectRef idx="0">
+            <a:schemeClr val="accent1"/>
+          </a:effectRef>
+          <a:fontRef idx="minor">
+            <a:schemeClr val="lt1"/>
+          </a:fontRef>
+        </p:style>
+        <p:txBody>
+          <a:bodyPr rtlCol="0" anchor="ctr"/>
+          <a:lstStyle/>
+          <a:p>
+            <a:pPr algn="ctr"/>
+            <a:r>
+              <a:rPr lang="ko-KR" altLang="en-US" b="1" smtClean="0">
+                <a:solidFill>
+                  <a:schemeClr val="tx1"/>
+                </a:solidFill>
+              </a:rPr>
+              <a:t>고층 건물</a:t>
+            </a:r>
+            <a:endParaRPr lang="ko-KR" altLang="en-US" b="1" dirty="0">
+              <a:solidFill>
+                <a:schemeClr val="tx1"/>
+              </a:solidFill>
+            </a:endParaRPr>
+          </a:p>
+        </p:txBody>
+      </p:sp>
+      <p:sp>
+        <p:nvSpPr>
+          <p:cNvPr id="29" name="직사각형 28"/>
+          <p:cNvSpPr/>
+          <p:nvPr/>
+        </p:nvSpPr>
+        <p:spPr>
+          <a:xfrm>
+            <a:off x="5089236" y="3634508"/>
+            <a:ext cx="1474176" cy="430235"/>
+          </a:xfrm>
+          <a:prstGeom prst="rect">
+            <a:avLst/>
+          </a:prstGeom>
+          <a:solidFill>
+            <a:schemeClr val="bg1"/>
+          </a:solidFill>
+        </p:spPr>
+        <p:style>
+          <a:lnRef idx="2">
+            <a:schemeClr val="accent1">
+              <a:shade val="50000"/>
+            </a:schemeClr>
+          </a:lnRef>
+          <a:fillRef idx="1">
+            <a:schemeClr val="accent1"/>
+          </a:fillRef>
+          <a:effectRef idx="0">
+            <a:schemeClr val="accent1"/>
+          </a:effectRef>
+          <a:fontRef idx="minor">
+            <a:schemeClr val="lt1"/>
+          </a:fontRef>
+        </p:style>
+        <p:txBody>
+          <a:bodyPr rtlCol="0" anchor="ctr"/>
+          <a:lstStyle/>
+          <a:p>
+            <a:pPr algn="ctr"/>
+            <a:r>
+              <a:rPr lang="ko-KR" altLang="en-US" b="1" smtClean="0">
+                <a:solidFill>
+                  <a:schemeClr val="tx1"/>
+                </a:solidFill>
+              </a:rPr>
+              <a:t>고층 건물</a:t>
+            </a:r>
+            <a:endParaRPr lang="ko-KR" altLang="en-US" b="1" dirty="0">
+              <a:solidFill>
+                <a:schemeClr val="tx1"/>
+              </a:solidFill>
+            </a:endParaRPr>
+          </a:p>
+        </p:txBody>
+      </p:sp>
+      <p:sp>
+        <p:nvSpPr>
+          <p:cNvPr id="53" name="타원 52"/>
+          <p:cNvSpPr/>
+          <p:nvPr/>
+        </p:nvSpPr>
+        <p:spPr>
+          <a:xfrm>
+            <a:off x="3566703" y="979294"/>
+            <a:ext cx="360219" cy="398607"/>
+          </a:xfrm>
+          <a:prstGeom prst="ellipse">
+            <a:avLst/>
+          </a:prstGeom>
+          <a:solidFill>
+            <a:schemeClr val="bg1"/>
+          </a:solidFill>
+          <a:ln w="28575">
+            <a:solidFill>
+              <a:srgbClr val="FF0000"/>
+            </a:solidFill>
+          </a:ln>
+        </p:spPr>
+        <p:style>
+          <a:lnRef idx="2">
+            <a:schemeClr val="accent1">
+              <a:shade val="50000"/>
+            </a:schemeClr>
+          </a:lnRef>
+          <a:fillRef idx="1">
+            <a:schemeClr val="accent1"/>
+          </a:fillRef>
+          <a:effectRef idx="0">
+            <a:schemeClr val="accent1"/>
+          </a:effectRef>
+          <a:fontRef idx="minor">
+            <a:schemeClr val="lt1"/>
+          </a:fontRef>
+        </p:style>
+        <p:txBody>
+          <a:bodyPr rtlCol="0" anchor="ctr"/>
+          <a:lstStyle/>
+          <a:p>
+            <a:pPr algn="ctr"/>
+            <a:r>
+              <a:rPr lang="en-US" altLang="ko-KR" dirty="0">
+                <a:solidFill>
+                  <a:schemeClr val="tx1"/>
+                </a:solidFill>
+              </a:rPr>
+              <a:t>1</a:t>
+            </a:r>
+            <a:endParaRPr lang="ko-KR" altLang="en-US" dirty="0">
+              <a:solidFill>
+                <a:schemeClr val="tx1"/>
+              </a:solidFill>
+            </a:endParaRPr>
+          </a:p>
+        </p:txBody>
+      </p:sp>
+      <p:sp>
+        <p:nvSpPr>
+          <p:cNvPr id="18" name="직사각형 17"/>
+          <p:cNvSpPr/>
+          <p:nvPr/>
+        </p:nvSpPr>
+        <p:spPr>
+          <a:xfrm>
+            <a:off x="5081430" y="2828452"/>
+            <a:ext cx="1474176" cy="430235"/>
+          </a:xfrm>
+          <a:prstGeom prst="rect">
+            <a:avLst/>
+          </a:prstGeom>
+          <a:solidFill>
+            <a:schemeClr val="bg1"/>
+          </a:solidFill>
+        </p:spPr>
+        <p:style>
+          <a:lnRef idx="2">
+            <a:schemeClr val="accent1">
+              <a:shade val="50000"/>
+            </a:schemeClr>
+          </a:lnRef>
+          <a:fillRef idx="1">
+            <a:schemeClr val="accent1"/>
+          </a:fillRef>
+          <a:effectRef idx="0">
+            <a:schemeClr val="accent1"/>
+          </a:effectRef>
+          <a:fontRef idx="minor">
+            <a:schemeClr val="lt1"/>
+          </a:fontRef>
+        </p:style>
+        <p:txBody>
+          <a:bodyPr rtlCol="0" anchor="ctr"/>
+          <a:lstStyle/>
+          <a:p>
+            <a:pPr algn="ctr"/>
+            <a:r>
+              <a:rPr lang="ko-KR" altLang="en-US" b="1" dirty="0" smtClean="0">
+                <a:solidFill>
+                  <a:schemeClr val="tx1"/>
+                </a:solidFill>
+              </a:rPr>
+              <a:t>고층 건물</a:t>
+            </a:r>
+            <a:endParaRPr lang="ko-KR" altLang="en-US" b="1" dirty="0">
+              <a:solidFill>
+                <a:schemeClr val="tx1"/>
+              </a:solidFill>
+            </a:endParaRPr>
+          </a:p>
+        </p:txBody>
+      </p:sp>
+      <p:sp>
+        <p:nvSpPr>
+          <p:cNvPr id="19" name="직사각형 18"/>
+          <p:cNvSpPr/>
+          <p:nvPr/>
+        </p:nvSpPr>
+        <p:spPr>
+          <a:xfrm>
+            <a:off x="546573" y="2787455"/>
+            <a:ext cx="1474176" cy="430235"/>
+          </a:xfrm>
+          <a:prstGeom prst="rect">
+            <a:avLst/>
+          </a:prstGeom>
+          <a:solidFill>
+            <a:schemeClr val="bg1"/>
+          </a:solidFill>
+        </p:spPr>
+        <p:style>
+          <a:lnRef idx="2">
+            <a:schemeClr val="accent1">
+              <a:shade val="50000"/>
+            </a:schemeClr>
+          </a:lnRef>
+          <a:fillRef idx="1">
+            <a:schemeClr val="accent1"/>
+          </a:fillRef>
+          <a:effectRef idx="0">
+            <a:schemeClr val="accent1"/>
+          </a:effectRef>
+          <a:fontRef idx="minor">
+            <a:schemeClr val="lt1"/>
+          </a:fontRef>
+        </p:style>
+        <p:txBody>
+          <a:bodyPr rtlCol="0" anchor="ctr"/>
+          <a:lstStyle/>
+          <a:p>
+            <a:pPr algn="ctr"/>
+            <a:r>
+              <a:rPr lang="ko-KR" altLang="en-US" b="1" smtClean="0">
+                <a:solidFill>
+                  <a:schemeClr val="tx1"/>
+                </a:solidFill>
+              </a:rPr>
+              <a:t>고층 건물</a:t>
+            </a:r>
+            <a:endParaRPr lang="ko-KR" altLang="en-US" b="1" dirty="0">
+              <a:solidFill>
+                <a:schemeClr val="tx1"/>
+              </a:solidFill>
+            </a:endParaRPr>
+          </a:p>
+        </p:txBody>
+      </p:sp>
+      <p:sp>
+        <p:nvSpPr>
+          <p:cNvPr id="20" name="직사각형 19"/>
+          <p:cNvSpPr/>
+          <p:nvPr/>
+        </p:nvSpPr>
+        <p:spPr>
+          <a:xfrm>
+            <a:off x="541463" y="1936235"/>
+            <a:ext cx="1474176" cy="430235"/>
+          </a:xfrm>
+          <a:prstGeom prst="rect">
+            <a:avLst/>
+          </a:prstGeom>
+          <a:solidFill>
+            <a:schemeClr val="bg1"/>
+          </a:solidFill>
+        </p:spPr>
+        <p:style>
+          <a:lnRef idx="2">
+            <a:schemeClr val="accent1">
+              <a:shade val="50000"/>
+            </a:schemeClr>
+          </a:lnRef>
+          <a:fillRef idx="1">
+            <a:schemeClr val="accent1"/>
+          </a:fillRef>
+          <a:effectRef idx="0">
+            <a:schemeClr val="accent1"/>
+          </a:effectRef>
+          <a:fontRef idx="minor">
+            <a:schemeClr val="lt1"/>
+          </a:fontRef>
+        </p:style>
+        <p:txBody>
+          <a:bodyPr rtlCol="0" anchor="ctr"/>
+          <a:lstStyle/>
+          <a:p>
+            <a:pPr algn="ctr"/>
+            <a:r>
+              <a:rPr lang="ko-KR" altLang="en-US" b="1" smtClean="0">
+                <a:solidFill>
+                  <a:schemeClr val="tx1"/>
+                </a:solidFill>
+              </a:rPr>
+              <a:t>고층 건물</a:t>
+            </a:r>
+            <a:endParaRPr lang="ko-KR" altLang="en-US" b="1" dirty="0">
+              <a:solidFill>
+                <a:schemeClr val="tx1"/>
+              </a:solidFill>
+            </a:endParaRPr>
+          </a:p>
+        </p:txBody>
+      </p:sp>
+      <p:sp>
+        <p:nvSpPr>
+          <p:cNvPr id="21" name="직사각형 20"/>
+          <p:cNvSpPr/>
+          <p:nvPr/>
+        </p:nvSpPr>
+        <p:spPr>
+          <a:xfrm>
+            <a:off x="5081430" y="1861568"/>
+            <a:ext cx="1474176" cy="430235"/>
+          </a:xfrm>
+          <a:prstGeom prst="rect">
+            <a:avLst/>
+          </a:prstGeom>
+          <a:solidFill>
+            <a:schemeClr val="bg1"/>
+          </a:solidFill>
+        </p:spPr>
+        <p:style>
+          <a:lnRef idx="2">
+            <a:schemeClr val="accent1">
+              <a:shade val="50000"/>
+            </a:schemeClr>
+          </a:lnRef>
+          <a:fillRef idx="1">
+            <a:schemeClr val="accent1"/>
+          </a:fillRef>
+          <a:effectRef idx="0">
+            <a:schemeClr val="accent1"/>
+          </a:effectRef>
+          <a:fontRef idx="minor">
+            <a:schemeClr val="lt1"/>
+          </a:fontRef>
+        </p:style>
+        <p:txBody>
+          <a:bodyPr rtlCol="0" anchor="ctr"/>
+          <a:lstStyle/>
+          <a:p>
+            <a:pPr algn="ctr"/>
+            <a:r>
+              <a:rPr lang="ko-KR" altLang="en-US" b="1" smtClean="0">
+                <a:solidFill>
+                  <a:schemeClr val="tx1"/>
+                </a:solidFill>
+              </a:rPr>
+              <a:t>고층 건물</a:t>
+            </a:r>
+            <a:endParaRPr lang="ko-KR" altLang="en-US" b="1" dirty="0">
+              <a:solidFill>
+                <a:schemeClr val="tx1"/>
+              </a:solidFill>
+            </a:endParaRPr>
+          </a:p>
+        </p:txBody>
+      </p:sp>
+      <p:sp>
+        <p:nvSpPr>
+          <p:cNvPr id="22" name="직사각형 21"/>
+          <p:cNvSpPr/>
+          <p:nvPr/>
+        </p:nvSpPr>
+        <p:spPr>
+          <a:xfrm>
+            <a:off x="5081430" y="979294"/>
+            <a:ext cx="1474176" cy="430235"/>
+          </a:xfrm>
+          <a:prstGeom prst="rect">
+            <a:avLst/>
+          </a:prstGeom>
+          <a:solidFill>
+            <a:schemeClr val="bg1"/>
+          </a:solidFill>
+        </p:spPr>
+        <p:style>
+          <a:lnRef idx="2">
+            <a:schemeClr val="accent1">
+              <a:shade val="50000"/>
+            </a:schemeClr>
+          </a:lnRef>
+          <a:fillRef idx="1">
+            <a:schemeClr val="accent1"/>
+          </a:fillRef>
+          <a:effectRef idx="0">
+            <a:schemeClr val="accent1"/>
+          </a:effectRef>
+          <a:fontRef idx="minor">
+            <a:schemeClr val="lt1"/>
+          </a:fontRef>
+        </p:style>
+        <p:txBody>
+          <a:bodyPr rtlCol="0" anchor="ctr"/>
+          <a:lstStyle/>
+          <a:p>
+            <a:pPr algn="ctr"/>
+            <a:r>
+              <a:rPr lang="ko-KR" altLang="en-US" b="1" smtClean="0">
+                <a:solidFill>
+                  <a:schemeClr val="tx1"/>
+                </a:solidFill>
+              </a:rPr>
+              <a:t>고층 건물</a:t>
+            </a:r>
+            <a:endParaRPr lang="ko-KR" altLang="en-US" b="1" dirty="0">
+              <a:solidFill>
+                <a:schemeClr val="tx1"/>
+              </a:solidFill>
+            </a:endParaRPr>
+          </a:p>
+        </p:txBody>
+      </p:sp>
+      <p:sp>
+        <p:nvSpPr>
+          <p:cNvPr id="23" name="직사각형 22"/>
+          <p:cNvSpPr/>
+          <p:nvPr/>
+        </p:nvSpPr>
+        <p:spPr>
+          <a:xfrm>
+            <a:off x="571934" y="943790"/>
+            <a:ext cx="1474176" cy="430235"/>
+          </a:xfrm>
+          <a:prstGeom prst="rect">
+            <a:avLst/>
+          </a:prstGeom>
+          <a:solidFill>
+            <a:schemeClr val="bg1"/>
+          </a:solidFill>
+        </p:spPr>
+        <p:style>
+          <a:lnRef idx="2">
+            <a:schemeClr val="accent1">
+              <a:shade val="50000"/>
+            </a:schemeClr>
+          </a:lnRef>
+          <a:fillRef idx="1">
+            <a:schemeClr val="accent1"/>
+          </a:fillRef>
+          <a:effectRef idx="0">
+            <a:schemeClr val="accent1"/>
+          </a:effectRef>
+          <a:fontRef idx="minor">
+            <a:schemeClr val="lt1"/>
+          </a:fontRef>
+        </p:style>
+        <p:txBody>
+          <a:bodyPr rtlCol="0" anchor="ctr"/>
+          <a:lstStyle/>
+          <a:p>
+            <a:pPr algn="ctr"/>
+            <a:r>
+              <a:rPr lang="ko-KR" altLang="en-US" b="1" smtClean="0">
+                <a:solidFill>
+                  <a:schemeClr val="tx1"/>
+                </a:solidFill>
+              </a:rPr>
+              <a:t>고층 건물</a:t>
+            </a:r>
+            <a:endParaRPr lang="ko-KR" altLang="en-US" b="1" dirty="0">
+              <a:solidFill>
+                <a:schemeClr val="tx1"/>
+              </a:solidFill>
+            </a:endParaRPr>
+          </a:p>
+        </p:txBody>
+      </p:sp>
+    </p:spTree>
+    <p:extLst>
+      <p:ext uri="{BB962C8B-B14F-4D97-AF65-F5344CB8AC3E}">
+        <p14:creationId xmlns:p14="http://schemas.microsoft.com/office/powerpoint/2010/main" val="2922954383"/>
       </p:ext>
     </p:extLst>
   </p:cSld>
@@ -10234,15 +11061,68 @@
                   <a:schemeClr val="tx1"/>
                 </a:solidFill>
               </a:rPr>
+              <a:t>.”</a:t>
+            </a:r>
+          </a:p>
+          <a:p>
+            <a:pPr algn="ctr"/>
+            <a:endParaRPr lang="en-US" altLang="ko-KR" dirty="0" smtClean="0">
+              <a:solidFill>
+                <a:schemeClr val="tx1"/>
+              </a:solidFill>
+            </a:endParaRPr>
+          </a:p>
+          <a:p>
+            <a:r>
+              <a:rPr lang="en-US" altLang="ko-KR" dirty="0" smtClean="0">
+                <a:solidFill>
+                  <a:schemeClr val="tx1"/>
+                </a:solidFill>
+              </a:rPr>
+              <a:t>(2) </a:t>
+            </a:r>
+            <a:r>
+              <a:rPr lang="ko-KR" altLang="en-US" dirty="0" smtClean="0">
+                <a:solidFill>
+                  <a:schemeClr val="tx1"/>
+                </a:solidFill>
+              </a:rPr>
+              <a:t>번 클릭 시 텍스트가 뜬다</a:t>
+            </a:r>
+            <a:r>
+              <a:rPr lang="en-US" altLang="ko-KR" dirty="0" smtClean="0">
+                <a:solidFill>
+                  <a:schemeClr val="tx1"/>
+                </a:solidFill>
+              </a:rPr>
               <a:t>.</a:t>
             </a:r>
+          </a:p>
+          <a:p>
+            <a:pPr algn="ctr"/>
             <a:r>
               <a:rPr lang="en-US" altLang="ko-KR" dirty="0" smtClean="0">
                 <a:solidFill>
                   <a:schemeClr val="tx1"/>
                 </a:solidFill>
               </a:rPr>
-              <a:t>”</a:t>
+              <a:t>“</a:t>
+            </a:r>
+            <a:r>
+              <a:rPr lang="ko-KR" altLang="en-US" dirty="0" smtClean="0">
+                <a:solidFill>
+                  <a:schemeClr val="tx1"/>
+                </a:solidFill>
+              </a:rPr>
+              <a:t>깨진 창문일 뿐이다</a:t>
+            </a:r>
+            <a:r>
+              <a:rPr lang="en-US" altLang="ko-KR" dirty="0" smtClean="0">
+                <a:solidFill>
+                  <a:schemeClr val="tx1"/>
+                </a:solidFill>
+              </a:rPr>
+              <a:t>.”</a:t>
             </a:r>
           </a:p>
           <a:p>
@@ -10260,7 +11140,15 @@
                   <a:schemeClr val="tx1"/>
                 </a:solidFill>
               </a:rPr>
-              <a:t>(2) </a:t>
+              <a:t>(3) </a:t>
+            </a:r>
+            <a:r>
+              <a:rPr lang="ko-KR" altLang="en-US" dirty="0">
+                <a:solidFill>
+                  <a:schemeClr val="tx1"/>
+                </a:solidFill>
+              </a:rPr>
+              <a:t>번</a:t>
             </a:r>
             <a:r>
               <a:rPr lang="ko-KR" altLang="en-US" dirty="0" smtClean="0">
@@ -10268,7 +11156,7 @@
                   <a:schemeClr val="tx1"/>
                 </a:solidFill>
               </a:rPr>
-              <a:t>번 클릭 시 텍스트가 뜬다</a:t>
+              <a:t> 클릭 시 텍스트가 뜬다</a:t>
             </a:r>
             <a:r>
               <a:rPr lang="en-US" altLang="ko-KR" dirty="0" smtClean="0">
@@ -10295,7 +11183,7 @@
                   <a:schemeClr val="tx1"/>
                 </a:solidFill>
               </a:rPr>
-              <a:t>깨진 창문일 뿐이다</a:t>
+              <a:t>부품이 전부 비어있다</a:t>
             </a:r>
             <a:r>
               <a:rPr lang="en-US" altLang="ko-KR" dirty="0" smtClean="0">
@@ -10303,92 +11191,7 @@
                   <a:schemeClr val="tx1"/>
                 </a:solidFill>
               </a:rPr>
-              <a:t>.</a:t>
-            </a:r>
-            <a:r>
-              <a:rPr lang="en-US" altLang="ko-KR" dirty="0" smtClean="0">
-                <a:solidFill>
-                  <a:schemeClr val="tx1"/>
-                </a:solidFill>
-              </a:rPr>
-              <a:t>”</a:t>
-            </a:r>
-          </a:p>
-          <a:p>
-            <a:pPr algn="ctr"/>
-            <a:endParaRPr lang="en-US" altLang="ko-KR" dirty="0" smtClean="0">
-              <a:solidFill>
-                <a:schemeClr val="tx1"/>
-              </a:solidFill>
-            </a:endParaRPr>
-          </a:p>
-          <a:p>
-            <a:r>
-              <a:rPr lang="en-US" altLang="ko-KR" dirty="0" smtClean="0">
-                <a:solidFill>
-                  <a:schemeClr val="tx1"/>
-                </a:solidFill>
-              </a:rPr>
-              <a:t>(3) </a:t>
-            </a:r>
-            <a:r>
-              <a:rPr lang="ko-KR" altLang="en-US" dirty="0">
-                <a:solidFill>
-                  <a:schemeClr val="tx1"/>
-                </a:solidFill>
-              </a:rPr>
-              <a:t>번</a:t>
-            </a:r>
-            <a:r>
-              <a:rPr lang="ko-KR" altLang="en-US" dirty="0" smtClean="0">
-                <a:solidFill>
-                  <a:schemeClr val="tx1"/>
-                </a:solidFill>
-              </a:rPr>
-              <a:t> 클릭 시 텍스트가 뜬다</a:t>
-            </a:r>
-            <a:r>
-              <a:rPr lang="en-US" altLang="ko-KR" dirty="0" smtClean="0">
-                <a:solidFill>
-                  <a:schemeClr val="tx1"/>
-                </a:solidFill>
-              </a:rPr>
-              <a:t>.</a:t>
-            </a:r>
-          </a:p>
-          <a:p>
-            <a:pPr algn="ctr"/>
-            <a:r>
-              <a:rPr lang="en-US" altLang="ko-KR" dirty="0" smtClean="0">
-                <a:solidFill>
-                  <a:schemeClr val="tx1"/>
-                </a:solidFill>
-              </a:rPr>
-              <a:t>“</a:t>
-            </a:r>
-            <a:r>
-              <a:rPr lang="ko-KR" altLang="en-US" dirty="0" smtClean="0">
-                <a:solidFill>
-                  <a:schemeClr val="tx1"/>
-                </a:solidFill>
-              </a:rPr>
-              <a:t>부품이 전부 비어있다</a:t>
-            </a:r>
-            <a:r>
-              <a:rPr lang="en-US" altLang="ko-KR" dirty="0" smtClean="0">
-                <a:solidFill>
-                  <a:schemeClr val="tx1"/>
-                </a:solidFill>
-              </a:rPr>
-              <a:t>.</a:t>
-            </a:r>
-            <a:r>
-              <a:rPr lang="en-US" altLang="ko-KR" dirty="0" smtClean="0">
-                <a:solidFill>
-                  <a:schemeClr val="tx1"/>
-                </a:solidFill>
-              </a:rPr>
-              <a:t>”</a:t>
+              <a:t>.”</a:t>
             </a:r>
           </a:p>
           <a:p>
